--- a/resources/Presentation-Slides/Chapter-1-Into-Programming/04.Computer-Programs-Examples.pptx
+++ b/resources/Presentation-Slides/Chapter-1-Into-Programming/04.Computer-Programs-Examples.pptx
@@ -228,7 +228,7 @@
             <a:fld id="{FE5B4EDC-59C0-49C7-8ADA-5A781B329E02}" type="datetimeFigureOut">
               <a:rPr lang="en-US"/>
               <a:pPr/>
-              <a:t>19-Sep-18</a:t>
+              <a:t>11-Feb-19</a:t>
             </a:fld>
             <a:endParaRPr dirty="0"/>
           </a:p>
@@ -427,7 +427,7 @@
             <a:fld id="{F2D8D46A-B586-417D-BFBD-8C8FE0AAF762}" type="datetimeFigureOut">
               <a:rPr lang="en-US" smtClean="0"/>
               <a:pPr/>
-              <a:t>19-Sep-18</a:t>
+              <a:t>11-Feb-19</a:t>
             </a:fld>
             <a:endParaRPr lang="en-US"/>
           </a:p>
@@ -1440,7 +1440,7 @@
             <a:fld id="{055373AC-9AA7-423B-BA00-BA1C74164DBD}" type="datetime1">
               <a:rPr lang="en-US" smtClean="0"/>
               <a:pPr/>
-              <a:t>19-Sep-18</a:t>
+              <a:t>11-Feb-19</a:t>
             </a:fld>
             <a:endParaRPr lang="en-US" dirty="0"/>
           </a:p>
@@ -1971,7 +1971,7 @@
             <a:fld id="{055373AC-9AA7-423B-BA00-BA1C74164DBD}" type="datetime1">
               <a:rPr lang="en-US" smtClean="0"/>
               <a:pPr/>
-              <a:t>19-Sep-18</a:t>
+              <a:t>11-Feb-19</a:t>
             </a:fld>
             <a:endParaRPr lang="en-US" dirty="0"/>
           </a:p>
@@ -2545,8 +2545,8 @@
         </p:nvSpPr>
         <p:spPr>
           <a:xfrm>
-            <a:off x="1446212" y="5576611"/>
-            <a:ext cx="8938472" cy="774883"/>
+            <a:off x="783484" y="5257800"/>
+            <a:ext cx="10263928" cy="774883"/>
           </a:xfrm>
         </p:spPr>
         <p:txBody>
@@ -2560,7 +2560,7 @@
             </a:pPr>
             <a:r>
               <a:rPr lang="en-US" dirty="0"/>
-              <a:t>Computer Programs Examples</a:t>
+              <a:t>Computer Programs – Examples</a:t>
             </a:r>
           </a:p>
         </p:txBody>
@@ -2588,8 +2588,8 @@
         </p:blipFill>
         <p:spPr bwMode="auto">
           <a:xfrm>
-            <a:off x="4019973" y="1905000"/>
-            <a:ext cx="3790950" cy="2132738"/>
+            <a:off x="3392571" y="1754866"/>
+            <a:ext cx="5045755" cy="2838674"/>
           </a:xfrm>
           <a:prstGeom prst="rect">
             <a:avLst/>
@@ -2607,6 +2607,66 @@
               </a14:hiddenFill>
             </a:ext>
           </a:extLst>
+        </p:spPr>
+      </p:pic>
+      <p:pic>
+        <p:nvPicPr>
+          <p:cNvPr id="4" name="Picture 3">
+            <a:extLst>
+              <a:ext uri="{FF2B5EF4-FFF2-40B4-BE49-F238E27FC236}">
+                <a16:creationId xmlns:a16="http://schemas.microsoft.com/office/drawing/2014/main" id="{9EBB17B1-87A7-4F35-8AC7-6F967CDB7E8B}"/>
+              </a:ext>
+            </a:extLst>
+          </p:cNvPr>
+          <p:cNvPicPr>
+            <a:picLocks noChangeAspect="1"/>
+          </p:cNvPicPr>
+          <p:nvPr/>
+        </p:nvPicPr>
+        <p:blipFill>
+          <a:blip r:embed="rId4"/>
+          <a:stretch>
+            <a:fillRect/>
+          </a:stretch>
+        </p:blipFill>
+        <p:spPr>
+          <a:xfrm>
+            <a:off x="1065212" y="1987459"/>
+            <a:ext cx="1811345" cy="2373487"/>
+          </a:xfrm>
+          <a:prstGeom prst="rect">
+            <a:avLst/>
+          </a:prstGeom>
+        </p:spPr>
+      </p:pic>
+      <p:pic>
+        <p:nvPicPr>
+          <p:cNvPr id="5" name="Picture 4">
+            <a:extLst>
+              <a:ext uri="{FF2B5EF4-FFF2-40B4-BE49-F238E27FC236}">
+                <a16:creationId xmlns:a16="http://schemas.microsoft.com/office/drawing/2014/main" id="{442A58C8-0560-425D-A7C7-F5226EC82F5A}"/>
+              </a:ext>
+            </a:extLst>
+          </p:cNvPr>
+          <p:cNvPicPr>
+            <a:picLocks noChangeAspect="1"/>
+          </p:cNvPicPr>
+          <p:nvPr/>
+        </p:nvPicPr>
+        <p:blipFill>
+          <a:blip r:embed="rId5"/>
+          <a:stretch>
+            <a:fillRect/>
+          </a:stretch>
+        </p:blipFill>
+        <p:spPr>
+          <a:xfrm>
+            <a:off x="8954340" y="1996102"/>
+            <a:ext cx="2360576" cy="2367954"/>
+          </a:xfrm>
+          <a:prstGeom prst="rect">
+            <a:avLst/>
+          </a:prstGeom>
         </p:spPr>
       </p:pic>
     </p:spTree>
@@ -2658,7 +2718,7 @@
           <a:p>
             <a:r>
               <a:rPr lang="en-US" sz="3200" dirty="0"/>
-              <a:t>A Program, which produces the </a:t>
+              <a:t>A program, which plays the </a:t>
             </a:r>
             <a:r>
               <a:rPr lang="bg-BG" sz="3200" dirty="0"/>
@@ -2672,7 +2732,7 @@
                   </a:schemeClr>
                 </a:solidFill>
               </a:rPr>
-              <a:t>la</a:t>
+              <a:t>A</a:t>
             </a:r>
             <a:r>
               <a:rPr lang="bg-BG" sz="3200" dirty="0"/>
@@ -2697,7 +2757,21 @@
             </a:pPr>
             <a:r>
               <a:rPr lang="en-US" sz="3200" dirty="0"/>
-              <a:t>A program, which produces several sounds in a row</a:t>
+              <a:t>A program, which plays </a:t>
+            </a:r>
+            <a:r>
+              <a:rPr lang="en-US" sz="3200" dirty="0">
+                <a:solidFill>
+                  <a:schemeClr val="tx2">
+                    <a:lumMod val="75000"/>
+                  </a:schemeClr>
+                </a:solidFill>
+              </a:rPr>
+              <a:t>several sounds </a:t>
+            </a:r>
+            <a:r>
+              <a:rPr lang="en-US" sz="3200" dirty="0"/>
+              <a:t>in a sequence</a:t>
             </a:r>
             <a:endParaRPr lang="bg-BG" sz="3200" dirty="0"/>
           </a:p>
@@ -2725,7 +2799,17 @@
             </a:pPr>
             <a:r>
               <a:rPr lang="en-US" sz="3200" dirty="0"/>
-              <a:t>A program, which converts from BGN to EUR</a:t>
+              <a:t>A program, which converts from </a:t>
+            </a:r>
+            <a:r>
+              <a:rPr lang="en-US" sz="3200" dirty="0">
+                <a:solidFill>
+                  <a:schemeClr val="tx2">
+                    <a:lumMod val="75000"/>
+                  </a:schemeClr>
+                </a:solidFill>
+              </a:rPr>
+              <a:t>USD to EUR</a:t>
             </a:r>
           </a:p>
         </p:txBody>
@@ -3065,7 +3149,7 @@
                 <a:latin typeface="Consolas" pitchFamily="49" charset="0"/>
                 <a:cs typeface="Consolas" pitchFamily="49" charset="0"/>
               </a:rPr>
-              <a:t>var leva = int.Parse(Console.ReadLine());</a:t>
+              <a:t>var dollars = int.Parse(Console.ReadLine());</a:t>
             </a:r>
           </a:p>
           <a:p>
@@ -3093,7 +3177,7 @@
                 <a:latin typeface="Consolas" pitchFamily="49" charset="0"/>
                 <a:cs typeface="Consolas" pitchFamily="49" charset="0"/>
               </a:rPr>
-              <a:t>var euro = leva / 1.95583;</a:t>
+              <a:t>var euro = dollars * 0.883795087;</a:t>
             </a:r>
           </a:p>
           <a:p>
@@ -3122,6 +3206,74 @@
                 <a:cs typeface="Consolas" pitchFamily="49" charset="0"/>
               </a:rPr>
               <a:t>Console.WriteLine(euro);</a:t>
+            </a:r>
+          </a:p>
+        </p:txBody>
+      </p:sp>
+      <p:sp>
+        <p:nvSpPr>
+          <p:cNvPr id="8" name="Rectangle: Rounded Corners 7">
+            <a:hlinkClick r:id="rId2"/>
+            <a:extLst>
+              <a:ext uri="{FF2B5EF4-FFF2-40B4-BE49-F238E27FC236}">
+                <a16:creationId xmlns:a16="http://schemas.microsoft.com/office/drawing/2014/main" id="{79734E05-0873-423C-BBE1-48892ADB838E}"/>
+              </a:ext>
+            </a:extLst>
+          </p:cNvPr>
+          <p:cNvSpPr/>
+          <p:nvPr/>
+        </p:nvSpPr>
+        <p:spPr>
+          <a:xfrm>
+            <a:off x="10552888" y="5200262"/>
+            <a:ext cx="830774" cy="399568"/>
+          </a:xfrm>
+          <a:prstGeom prst="roundRect">
+            <a:avLst/>
+          </a:prstGeom>
+          <a:solidFill>
+            <a:srgbClr val="00B050"/>
+          </a:solidFill>
+          <a:effectLst>
+            <a:outerShdw blurRad="63500" sx="102000" sy="102000" algn="ctr" rotWithShape="0">
+              <a:prstClr val="black">
+                <a:alpha val="40000"/>
+              </a:prstClr>
+            </a:outerShdw>
+          </a:effectLst>
+        </p:spPr>
+        <p:style>
+          <a:lnRef idx="2">
+            <a:schemeClr val="accent1">
+              <a:shade val="50000"/>
+            </a:schemeClr>
+          </a:lnRef>
+          <a:fillRef idx="1">
+            <a:schemeClr val="accent1"/>
+          </a:fillRef>
+          <a:effectRef idx="0">
+            <a:schemeClr val="accent1"/>
+          </a:effectRef>
+          <a:fontRef idx="minor">
+            <a:schemeClr val="lt1"/>
+          </a:fontRef>
+        </p:style>
+        <p:txBody>
+          <a:bodyPr rtlCol="0" anchor="ctr"/>
+          <a:lstStyle/>
+          <a:p>
+            <a:pPr algn="ctr"/>
+            <a:r>
+              <a:rPr lang="en-US" b="1" dirty="0">
+                <a:effectLst>
+                  <a:outerShdw blurRad="38100" dist="38100" dir="2700000" algn="tl">
+                    <a:srgbClr val="000000">
+                      <a:alpha val="43137"/>
+                    </a:srgbClr>
+                  </a:outerShdw>
+                </a:effectLst>
+              </a:rPr>
+              <a:t>Run</a:t>
             </a:r>
           </a:p>
         </p:txBody>
@@ -3172,100 +3324,6 @@
                                         <p:tgtEl>
                                           <p:spTgt spid="15">
                                             <p:txEl>
-                                              <p:pRg st="0" end="0"/>
-                                            </p:txEl>
-                                          </p:spTgt>
-                                        </p:tgtEl>
-                                        <p:attrNameLst>
-                                          <p:attrName>style.visibility</p:attrName>
-                                        </p:attrNameLst>
-                                      </p:cBhvr>
-                                      <p:to>
-                                        <p:strVal val="visible"/>
-                                      </p:to>
-                                    </p:set>
-                                  </p:childTnLst>
-                                </p:cTn>
-                              </p:par>
-                            </p:childTnLst>
-                          </p:cTn>
-                        </p:par>
-                      </p:childTnLst>
-                    </p:cTn>
-                  </p:par>
-                  <p:par>
-                    <p:cTn id="7" fill="hold">
-                      <p:stCondLst>
-                        <p:cond delay="indefinite"/>
-                      </p:stCondLst>
-                      <p:childTnLst>
-                        <p:par>
-                          <p:cTn id="8" fill="hold">
-                            <p:stCondLst>
-                              <p:cond delay="0"/>
-                            </p:stCondLst>
-                            <p:childTnLst>
-                              <p:par>
-                                <p:cTn id="9" presetID="1" presetClass="entr" presetSubtype="0" fill="hold" grpId="0" nodeType="clickEffect">
-                                  <p:stCondLst>
-                                    <p:cond delay="0"/>
-                                  </p:stCondLst>
-                                  <p:childTnLst>
-                                    <p:set>
-                                      <p:cBhvr>
-                                        <p:cTn id="10" dur="1" fill="hold">
-                                          <p:stCondLst>
-                                            <p:cond delay="0"/>
-                                          </p:stCondLst>
-                                        </p:cTn>
-                                        <p:tgtEl>
-                                          <p:spTgt spid="9"/>
-                                        </p:tgtEl>
-                                        <p:attrNameLst>
-                                          <p:attrName>style.visibility</p:attrName>
-                                        </p:attrNameLst>
-                                      </p:cBhvr>
-                                      <p:to>
-                                        <p:strVal val="visible"/>
-                                      </p:to>
-                                    </p:set>
-                                  </p:childTnLst>
-                                </p:cTn>
-                              </p:par>
-                            </p:childTnLst>
-                          </p:cTn>
-                        </p:par>
-                      </p:childTnLst>
-                    </p:cTn>
-                  </p:par>
-                  <p:par>
-                    <p:cTn id="11" fill="hold">
-                      <p:stCondLst>
-                        <p:cond delay="indefinite"/>
-                      </p:stCondLst>
-                      <p:childTnLst>
-                        <p:par>
-                          <p:cTn id="12" fill="hold">
-                            <p:stCondLst>
-                              <p:cond delay="0"/>
-                            </p:stCondLst>
-                            <p:childTnLst>
-                              <p:par>
-                                <p:cTn id="13" presetID="1" presetClass="entr" presetSubtype="0" fill="hold" nodeType="clickEffect">
-                                  <p:stCondLst>
-                                    <p:cond delay="0"/>
-                                  </p:stCondLst>
-                                  <p:childTnLst>
-                                    <p:set>
-                                      <p:cBhvr>
-                                        <p:cTn id="14" dur="1" fill="hold">
-                                          <p:stCondLst>
-                                            <p:cond delay="0"/>
-                                          </p:stCondLst>
-                                        </p:cTn>
-                                        <p:tgtEl>
-                                          <p:spTgt spid="15">
-                                            <p:txEl>
                                               <p:pRg st="2" end="2"/>
                                             </p:txEl>
                                           </p:spTgt>
@@ -3281,33 +3339,15 @@
                                   </p:childTnLst>
                                 </p:cTn>
                               </p:par>
-                            </p:childTnLst>
-                          </p:cTn>
-                        </p:par>
-                      </p:childTnLst>
-                    </p:cTn>
-                  </p:par>
-                  <p:par>
-                    <p:cTn id="15" fill="hold">
-                      <p:stCondLst>
-                        <p:cond delay="indefinite"/>
-                      </p:stCondLst>
-                      <p:childTnLst>
-                        <p:par>
-                          <p:cTn id="16" fill="hold">
-                            <p:stCondLst>
-                              <p:cond delay="0"/>
-                            </p:stCondLst>
-                            <p:childTnLst>
                               <p:par>
-                                <p:cTn id="17" presetID="1" presetClass="entr" presetSubtype="0" fill="hold" grpId="0" nodeType="clickEffect">
+                                <p:cTn id="7" presetID="1" presetClass="entr" presetSubtype="0" fill="hold" grpId="0" nodeType="withEffect">
                                   <p:stCondLst>
                                     <p:cond delay="0"/>
                                   </p:stCondLst>
                                   <p:childTnLst>
                                     <p:set>
                                       <p:cBhvr>
-                                        <p:cTn id="18" dur="1" fill="hold">
+                                        <p:cTn id="8" dur="1" fill="hold">
                                           <p:stCondLst>
                                             <p:cond delay="0"/>
                                           </p:stCondLst>
@@ -3333,26 +3373,26 @@
                     </p:cTn>
                   </p:par>
                   <p:par>
-                    <p:cTn id="19" fill="hold">
+                    <p:cTn id="9" fill="hold">
                       <p:stCondLst>
                         <p:cond delay="indefinite"/>
                       </p:stCondLst>
                       <p:childTnLst>
                         <p:par>
-                          <p:cTn id="20" fill="hold">
+                          <p:cTn id="10" fill="hold">
                             <p:stCondLst>
                               <p:cond delay="0"/>
                             </p:stCondLst>
                             <p:childTnLst>
                               <p:par>
-                                <p:cTn id="21" presetID="1" presetClass="entr" presetSubtype="0" fill="hold" nodeType="clickEffect">
+                                <p:cTn id="11" presetID="1" presetClass="entr" presetSubtype="0" fill="hold" nodeType="clickEffect">
                                   <p:stCondLst>
                                     <p:cond delay="0"/>
                                   </p:stCondLst>
                                   <p:childTnLst>
                                     <p:set>
                                       <p:cBhvr>
-                                        <p:cTn id="22" dur="1" fill="hold">
+                                        <p:cTn id="12" dur="1" fill="hold">
                                           <p:stCondLst>
                                             <p:cond delay="0"/>
                                           </p:stCondLst>
@@ -3375,39 +3415,48 @@
                                   </p:childTnLst>
                                 </p:cTn>
                               </p:par>
-                            </p:childTnLst>
-                          </p:cTn>
-                        </p:par>
-                      </p:childTnLst>
-                    </p:cTn>
-                  </p:par>
-                  <p:par>
-                    <p:cTn id="23" fill="hold">
-                      <p:stCondLst>
-                        <p:cond delay="indefinite"/>
-                      </p:stCondLst>
-                      <p:childTnLst>
-                        <p:par>
-                          <p:cTn id="24" fill="hold">
-                            <p:stCondLst>
-                              <p:cond delay="0"/>
-                            </p:stCondLst>
-                            <p:childTnLst>
                               <p:par>
-                                <p:cTn id="25" presetID="1" presetClass="entr" presetSubtype="0" fill="hold" grpId="0" nodeType="clickEffect">
+                                <p:cTn id="13" presetID="1" presetClass="entr" presetSubtype="0" fill="hold" grpId="0" nodeType="withEffect">
                                   <p:stCondLst>
                                     <p:cond delay="0"/>
                                   </p:stCondLst>
                                   <p:childTnLst>
                                     <p:set>
                                       <p:cBhvr>
-                                        <p:cTn id="26" dur="1" fill="hold">
+                                        <p:cTn id="14" dur="1" fill="hold">
                                           <p:stCondLst>
                                             <p:cond delay="0"/>
                                           </p:stCondLst>
                                         </p:cTn>
                                         <p:tgtEl>
                                           <p:spTgt spid="10"/>
+                                        </p:tgtEl>
+                                        <p:attrNameLst>
+                                          <p:attrName>style.visibility</p:attrName>
+                                        </p:attrNameLst>
+                                      </p:cBhvr>
+                                      <p:to>
+                                        <p:strVal val="visible"/>
+                                      </p:to>
+                                    </p:set>
+                                  </p:childTnLst>
+                                </p:cTn>
+                              </p:par>
+                              <p:par>
+                                <p:cTn id="15" presetID="1" presetClass="entr" presetSubtype="0" fill="hold" grpId="0" nodeType="withEffect">
+                                  <p:stCondLst>
+                                    <p:cond delay="0"/>
+                                  </p:stCondLst>
+                                  <p:childTnLst>
+                                    <p:set>
+                                      <p:cBhvr>
+                                        <p:cTn id="16" dur="1" fill="hold">
+                                          <p:stCondLst>
+                                            <p:cond delay="0"/>
+                                          </p:stCondLst>
+                                        </p:cTn>
+                                        <p:tgtEl>
+                                          <p:spTgt spid="8"/>
                                         </p:tgtEl>
                                         <p:attrNameLst>
                                           <p:attrName>style.visibility</p:attrName>
@@ -3449,8 +3498,8 @@
     </p:tnLst>
     <p:bldLst>
       <p:bldP spid="5" grpId="0" animBg="1"/>
-      <p:bldP spid="9" grpId="0" animBg="1"/>
       <p:bldP spid="10" grpId="0" animBg="1"/>
+      <p:bldP spid="8" grpId="0" animBg="1"/>
     </p:bldLst>
   </p:timing>
 </p:sld>
@@ -3496,7 +3545,7 @@
           <a:p>
             <a:r>
               <a:rPr lang="en-US" dirty="0"/>
-              <a:t>Computer Programs Examples</a:t>
+              <a:t>Computer Programs – Examples</a:t>
             </a:r>
           </a:p>
         </p:txBody>
@@ -3553,8 +3602,8 @@
         </p:nvSpPr>
         <p:spPr>
           <a:xfrm>
-            <a:off x="5605035" y="2289292"/>
-            <a:ext cx="3461177" cy="834908"/>
+            <a:off x="4316413" y="2289292"/>
+            <a:ext cx="4749799" cy="834908"/>
           </a:xfrm>
           <a:prstGeom prst="roundRect">
             <a:avLst>
@@ -3579,7 +3628,7 @@
                   <a:schemeClr val="bg1"/>
                 </a:solidFill>
               </a:rPr>
-              <a:t>Let’s do this!</a:t>
+              <a:t>Try the Examples!</a:t>
             </a:r>
           </a:p>
         </p:txBody>
